--- a/assets/webpage_monitor.pptx
+++ b/assets/webpage_monitor.pptx
@@ -3518,7 +3518,7 @@
         </p:nvSpPr>
         <p:spPr>
           <a:xfrm>
-            <a:off x="4267200" y="2285998"/>
+            <a:off x="4267200" y="2304166"/>
             <a:ext cx="3657600" cy="1173892"/>
           </a:xfrm>
           <a:prstGeom prst="rect">
